--- a/Презентация.pptx
+++ b/Презентация.pptx
@@ -113,6 +113,11 @@
       </a:defRPr>
     </a:lvl9pPr>
   </p:defaultTextStyle>
+  <p:extLst>
+    <p:ext uri="{EFAFB233-063F-42B5-8137-9DF3F51BA10A}">
+      <p15:sldGuideLst xmlns:p15="http://schemas.microsoft.com/office/powerpoint/2012/main"/>
+    </p:ext>
+  </p:extLst>
 </p:presentation>
 </file>
 
@@ -3490,14 +3495,41 @@
         </p:nvSpPr>
         <p:spPr/>
         <p:txBody>
-          <a:bodyPr/>
-          <a:lstStyle/>
-          <a:p>
-            <a:r>
-              <a:rPr lang="en-US"/>
-              <a:t>NULL</a:t>
-            </a:r>
-            <a:endParaRPr lang="ru-RU"/>
+          <a:bodyPr>
+            <a:normAutofit fontScale="92500" lnSpcReduction="10000"/>
+          </a:bodyPr>
+          <a:lstStyle/>
+          <a:p>
+            <a:r>
+              <a:rPr lang="ru-RU" dirty="0"/>
+              <a:t>Программное средство можно модифицировать, как того пожелает заказчик.</a:t>
+            </a:r>
+          </a:p>
+          <a:p>
+            <a:r>
+              <a:rPr lang="ru-RU" dirty="0"/>
+              <a:t>В процессе разработки программы использовался в большом объеме материал по программированию и алгоритмизации, что способствовало закреплению наработанных навыков и умений в этих областях знаний.</a:t>
+            </a:r>
+          </a:p>
+          <a:p>
+            <a:r>
+              <a:rPr lang="ru-RU" dirty="0"/>
+              <a:t>При разработке приложения наибольшее внимание уделялось максимальному созданию лаконичного интерфейса и руководящих инструкций по приложению без (но не исключающего его) обращения к справке. </a:t>
+            </a:r>
+          </a:p>
+          <a:p>
+            <a:r>
+              <a:rPr lang="ru-RU" dirty="0"/>
+              <a:t>Проект был разработан в среде </a:t>
+            </a:r>
+            <a:r>
+              <a:rPr lang="en-US" dirty="0"/>
+              <a:t>Microsoft Visual Studio</a:t>
+            </a:r>
+            <a:r>
+              <a:rPr lang="ru-RU" dirty="0"/>
+              <a:t> 2019 на языке С#.</a:t>
+            </a:r>
           </a:p>
         </p:txBody>
       </p:sp>
@@ -4147,13 +4179,56 @@
           <a:lstStyle/>
           <a:p>
             <a:r>
-              <a:rPr lang="en-US" dirty="0"/>
-              <a:t>NULL</a:t>
-            </a:r>
-            <a:endParaRPr lang="ru-RU" dirty="0"/>
-          </a:p>
-        </p:txBody>
-      </p:sp>
+              <a:rPr lang="ru-RU" dirty="0"/>
+              <a:t>Диаграмма деятельности описана </a:t>
+            </a:r>
+            <a:r>
+              <a:rPr lang="ru-RU"/>
+              <a:t>для окна </a:t>
+            </a:r>
+            <a:r>
+              <a:rPr lang="ru-RU" dirty="0"/>
+              <a:t>атаки</a:t>
+            </a:r>
+          </a:p>
+        </p:txBody>
+      </p:sp>
+      <p:pic>
+        <p:nvPicPr>
+          <p:cNvPr id="5" name="Рисунок 4">
+            <a:extLst>
+              <a:ext uri="{FF2B5EF4-FFF2-40B4-BE49-F238E27FC236}">
+                <a16:creationId xmlns:a16="http://schemas.microsoft.com/office/drawing/2014/main" id="{69C6A228-AE92-42FE-A90B-83D1CAB1D89E}"/>
+              </a:ext>
+            </a:extLst>
+          </p:cNvPr>
+          <p:cNvPicPr>
+            <a:picLocks noChangeAspect="1"/>
+          </p:cNvPicPr>
+          <p:nvPr/>
+        </p:nvPicPr>
+        <p:blipFill>
+          <a:blip r:embed="rId2">
+            <a:extLst>
+              <a:ext uri="{28A0092B-C50C-407E-A947-70E740481C1C}">
+                <a14:useLocalDpi xmlns:a14="http://schemas.microsoft.com/office/drawing/2010/main" val="0"/>
+              </a:ext>
+            </a:extLst>
+          </a:blip>
+          <a:stretch>
+            <a:fillRect/>
+          </a:stretch>
+        </p:blipFill>
+        <p:spPr>
+          <a:xfrm>
+            <a:off x="9832043" y="282051"/>
+            <a:ext cx="2175254" cy="6293898"/>
+          </a:xfrm>
+          <a:prstGeom prst="rect">
+            <a:avLst/>
+          </a:prstGeom>
+        </p:spPr>
+      </p:pic>
     </p:spTree>
     <p:extLst>
       <p:ext uri="{BB962C8B-B14F-4D97-AF65-F5344CB8AC3E}">
@@ -4207,40 +4282,54 @@
           <a:p>
             <a:r>
               <a:rPr lang="ru-RU" dirty="0"/>
-              <a:t>Диаграмма последовательности</a:t>
-            </a:r>
-          </a:p>
-        </p:txBody>
-      </p:sp>
-      <p:sp>
-        <p:nvSpPr>
-          <p:cNvPr id="3" name="Объект 2">
-            <a:extLst>
-              <a:ext uri="{FF2B5EF4-FFF2-40B4-BE49-F238E27FC236}">
-                <a16:creationId xmlns:a16="http://schemas.microsoft.com/office/drawing/2014/main" id="{4CEE0C56-BFCC-4B02-B1B3-7B057B83657B}"/>
-              </a:ext>
-            </a:extLst>
-          </p:cNvPr>
-          <p:cNvSpPr>
-            <a:spLocks noGrp="1"/>
-          </p:cNvSpPr>
-          <p:nvPr>
-            <p:ph idx="1"/>
-          </p:nvPr>
-        </p:nvSpPr>
-        <p:spPr/>
-        <p:txBody>
-          <a:bodyPr/>
-          <a:lstStyle/>
-          <a:p>
-            <a:r>
-              <a:rPr lang="en-US" dirty="0"/>
-              <a:t>NULL</a:t>
-            </a:r>
-            <a:endParaRPr lang="ru-RU" dirty="0"/>
-          </a:p>
-        </p:txBody>
-      </p:sp>
+              <a:t>Диаграмма </a:t>
+            </a:r>
+            <a:br>
+              <a:rPr lang="ru-RU" dirty="0"/>
+            </a:br>
+            <a:r>
+              <a:rPr lang="ru-RU" dirty="0"/>
+              <a:t>последовательности</a:t>
+            </a:r>
+          </a:p>
+        </p:txBody>
+      </p:sp>
+      <p:pic>
+        <p:nvPicPr>
+          <p:cNvPr id="5" name="Рисунок 4">
+            <a:extLst>
+              <a:ext uri="{FF2B5EF4-FFF2-40B4-BE49-F238E27FC236}">
+                <a16:creationId xmlns:a16="http://schemas.microsoft.com/office/drawing/2014/main" id="{E3D78C4C-6C8B-4CC6-B779-55F92C4E3455}"/>
+              </a:ext>
+            </a:extLst>
+          </p:cNvPr>
+          <p:cNvPicPr>
+            <a:picLocks noChangeAspect="1"/>
+          </p:cNvPicPr>
+          <p:nvPr/>
+        </p:nvPicPr>
+        <p:blipFill>
+          <a:blip r:embed="rId2">
+            <a:extLst>
+              <a:ext uri="{28A0092B-C50C-407E-A947-70E740481C1C}">
+                <a14:useLocalDpi xmlns:a14="http://schemas.microsoft.com/office/drawing/2010/main" val="0"/>
+              </a:ext>
+            </a:extLst>
+          </a:blip>
+          <a:stretch>
+            <a:fillRect/>
+          </a:stretch>
+        </p:blipFill>
+        <p:spPr>
+          <a:xfrm>
+            <a:off x="6079001" y="739280"/>
+            <a:ext cx="6112999" cy="5379439"/>
+          </a:xfrm>
+          <a:prstGeom prst="rect">
+            <a:avLst/>
+          </a:prstGeom>
+        </p:spPr>
+      </p:pic>
     </p:spTree>
     <p:extLst>
       <p:ext uri="{BB962C8B-B14F-4D97-AF65-F5344CB8AC3E}">
@@ -4294,40 +4383,54 @@
           <a:p>
             <a:r>
               <a:rPr lang="ru-RU" dirty="0"/>
-              <a:t>Диаграмма компонентов</a:t>
-            </a:r>
-          </a:p>
-        </p:txBody>
-      </p:sp>
-      <p:sp>
-        <p:nvSpPr>
-          <p:cNvPr id="3" name="Объект 2">
-            <a:extLst>
-              <a:ext uri="{FF2B5EF4-FFF2-40B4-BE49-F238E27FC236}">
-                <a16:creationId xmlns:a16="http://schemas.microsoft.com/office/drawing/2014/main" id="{F386E869-28B3-4579-9825-10E52CCB8DFA}"/>
-              </a:ext>
-            </a:extLst>
-          </p:cNvPr>
-          <p:cNvSpPr>
-            <a:spLocks noGrp="1"/>
-          </p:cNvSpPr>
-          <p:nvPr>
-            <p:ph idx="1"/>
-          </p:nvPr>
-        </p:nvSpPr>
-        <p:spPr/>
-        <p:txBody>
-          <a:bodyPr/>
-          <a:lstStyle/>
-          <a:p>
-            <a:r>
-              <a:rPr lang="en-US" dirty="0"/>
-              <a:t>NULL</a:t>
-            </a:r>
-            <a:endParaRPr lang="ru-RU" dirty="0"/>
-          </a:p>
-        </p:txBody>
-      </p:sp>
+              <a:t>Диаграмма </a:t>
+            </a:r>
+            <a:br>
+              <a:rPr lang="ru-RU" dirty="0"/>
+            </a:br>
+            <a:r>
+              <a:rPr lang="ru-RU" dirty="0"/>
+              <a:t>компонентов</a:t>
+            </a:r>
+          </a:p>
+        </p:txBody>
+      </p:sp>
+      <p:pic>
+        <p:nvPicPr>
+          <p:cNvPr id="5" name="Рисунок 4">
+            <a:extLst>
+              <a:ext uri="{FF2B5EF4-FFF2-40B4-BE49-F238E27FC236}">
+                <a16:creationId xmlns:a16="http://schemas.microsoft.com/office/drawing/2014/main" id="{92526C6D-3A35-42CE-B9FC-50A199DB7099}"/>
+              </a:ext>
+            </a:extLst>
+          </p:cNvPr>
+          <p:cNvPicPr>
+            <a:picLocks noChangeAspect="1"/>
+          </p:cNvPicPr>
+          <p:nvPr/>
+        </p:nvPicPr>
+        <p:blipFill>
+          <a:blip r:embed="rId2">
+            <a:extLst>
+              <a:ext uri="{28A0092B-C50C-407E-A947-70E740481C1C}">
+                <a14:useLocalDpi xmlns:a14="http://schemas.microsoft.com/office/drawing/2010/main" val="0"/>
+              </a:ext>
+            </a:extLst>
+          </a:blip>
+          <a:stretch>
+            <a:fillRect/>
+          </a:stretch>
+        </p:blipFill>
+        <p:spPr>
+          <a:xfrm>
+            <a:off x="6543414" y="228047"/>
+            <a:ext cx="5329688" cy="6662109"/>
+          </a:xfrm>
+          <a:prstGeom prst="rect">
+            <a:avLst/>
+          </a:prstGeom>
+        </p:spPr>
+      </p:pic>
     </p:spTree>
     <p:extLst>
       <p:ext uri="{BB962C8B-B14F-4D97-AF65-F5344CB8AC3E}">
